--- a/docs/Log.pptx
+++ b/docs/Log.pptx
@@ -213,7 +213,7 @@
           <a:p>
             <a:fld id="{08F06146-5731-7143-963B-54F2701A7FD2}" type="datetimeFigureOut">
               <a:rPr lang="en-US" smtClean="0"/>
-              <a:t>4/10/17</a:t>
+              <a:t>4/24/17</a:t>
             </a:fld>
             <a:endParaRPr lang="en-US"/>
           </a:p>
@@ -1066,7 +1066,7 @@
           <a:p>
             <a:fld id="{83284890-85D2-4D7B-8EF5-15A9C1DB8F42}" type="datetimeFigureOut">
               <a:rPr lang="en-US" smtClean="0"/>
-              <a:t>4/10/17</a:t>
+              <a:t>4/24/17</a:t>
             </a:fld>
             <a:endParaRPr lang="en-US"/>
           </a:p>
@@ -1246,7 +1246,7 @@
           <a:p>
             <a:fld id="{87157CC2-0FC8-4686-B024-99790E0F5162}" type="datetimeFigureOut">
               <a:rPr lang="en-US" smtClean="0"/>
-              <a:t>4/10/17</a:t>
+              <a:t>4/24/17</a:t>
             </a:fld>
             <a:endParaRPr lang="en-US"/>
           </a:p>
@@ -1426,7 +1426,7 @@
           <a:p>
             <a:fld id="{F6764DA5-CD3D-4590-A511-FCD3BC7A793E}" type="datetimeFigureOut">
               <a:rPr lang="en-US" smtClean="0"/>
-              <a:t>4/10/17</a:t>
+              <a:t>4/24/17</a:t>
             </a:fld>
             <a:endParaRPr lang="en-US"/>
           </a:p>
@@ -1596,7 +1596,7 @@
           <a:p>
             <a:fld id="{82F5661D-6934-4B32-B92C-470368BF1EC6}" type="datetimeFigureOut">
               <a:rPr lang="en-US" smtClean="0"/>
-              <a:t>4/10/17</a:t>
+              <a:t>4/24/17</a:t>
             </a:fld>
             <a:endParaRPr lang="en-US"/>
           </a:p>
@@ -1917,7 +1917,7 @@
           <a:p>
             <a:fld id="{C6F822A4-8DA6-4447-9B1F-C5DB58435268}" type="datetimeFigureOut">
               <a:rPr lang="en-US" smtClean="0"/>
-              <a:t>4/10/17</a:t>
+              <a:t>4/24/17</a:t>
             </a:fld>
             <a:endParaRPr lang="en-US" dirty="0"/>
           </a:p>
@@ -2378,7 +2378,7 @@
           <a:p>
             <a:fld id="{E548D31E-DCDA-41A7-9C67-C4B11B94D21D}" type="datetimeFigureOut">
               <a:rPr lang="en-US" smtClean="0"/>
-              <a:t>4/10/17</a:t>
+              <a:t>4/24/17</a:t>
             </a:fld>
             <a:endParaRPr lang="en-US"/>
           </a:p>
@@ -2789,7 +2789,7 @@
           <a:p>
             <a:fld id="{9B3762C0-B258-48F1-ADE6-176B4174CCDD}" type="datetimeFigureOut">
               <a:rPr lang="en-US" smtClean="0"/>
-              <a:t>4/10/17</a:t>
+              <a:t>4/24/17</a:t>
             </a:fld>
             <a:endParaRPr lang="en-US"/>
           </a:p>
@@ -2907,7 +2907,7 @@
           <a:p>
             <a:fld id="{677919A6-33EB-49BD-A62F-1FA56B9F9712}" type="datetimeFigureOut">
               <a:rPr lang="en-US" smtClean="0"/>
-              <a:t>4/10/17</a:t>
+              <a:t>4/24/17</a:t>
             </a:fld>
             <a:endParaRPr lang="en-US"/>
           </a:p>
@@ -3025,7 +3025,7 @@
           <a:p>
             <a:fld id="{CA4E7D1B-D673-4CF6-8672-009D42ABD2A0}" type="datetimeFigureOut">
               <a:rPr lang="en-US" smtClean="0"/>
-              <a:t>4/10/17</a:t>
+              <a:t>4/24/17</a:t>
             </a:fld>
             <a:endParaRPr lang="en-US"/>
           </a:p>
@@ -3383,7 +3383,7 @@
           <a:p>
             <a:fld id="{DA16AA21-1863-4931-97CB-99D0A168701B}" type="datetimeFigureOut">
               <a:rPr lang="en-US" smtClean="0"/>
-              <a:t>4/10/17</a:t>
+              <a:t>4/24/17</a:t>
             </a:fld>
             <a:endParaRPr lang="en-US"/>
           </a:p>
@@ -3890,7 +3890,7 @@
           <a:p>
             <a:fld id="{3772C379-9A7C-4C87-A116-CBE9F58B04C5}" type="datetimeFigureOut">
               <a:rPr lang="en-US" smtClean="0"/>
-              <a:t>4/10/17</a:t>
+              <a:t>4/24/17</a:t>
             </a:fld>
             <a:endParaRPr lang="en-US"/>
           </a:p>
@@ -4245,7 +4245,7 @@
           <a:p>
             <a:fld id="{8664C608-40B1-4030-A28D-5B74BC98ADCE}" type="datetimeFigureOut">
               <a:rPr lang="en-US" smtClean="0"/>
-              <a:t>4/10/17</a:t>
+              <a:t>4/24/17</a:t>
             </a:fld>
             <a:endParaRPr lang="en-US" dirty="0"/>
           </a:p>
